--- a/.docs/Презентация.pptx
+++ b/.docs/Презентация.pptx
@@ -8,9 +8,10 @@
     <p:sldId id="256" r:id="rId2"/>
     <p:sldId id="257" r:id="rId3"/>
     <p:sldId id="258" r:id="rId4"/>
-    <p:sldId id="260" r:id="rId5"/>
-    <p:sldId id="259" r:id="rId6"/>
-    <p:sldId id="262" r:id="rId7"/>
+    <p:sldId id="263" r:id="rId5"/>
+    <p:sldId id="260" r:id="rId6"/>
+    <p:sldId id="259" r:id="rId7"/>
+    <p:sldId id="262" r:id="rId8"/>
   </p:sldIdLst>
   <p:sldSz cx="12192000" cy="6858000"/>
   <p:notesSz cx="6858000" cy="9144000"/>
@@ -109,6 +110,11 @@
       </a:defRPr>
     </a:lvl9pPr>
   </p:defaultTextStyle>
+  <p:extLst>
+    <p:ext uri="{EFAFB233-063F-42B5-8137-9DF3F51BA10A}">
+      <p15:sldGuideLst xmlns:p15="http://schemas.microsoft.com/office/powerpoint/2012/main"/>
+    </p:ext>
+  </p:extLst>
 </p:presentation>
 </file>
 
@@ -341,7 +347,7 @@
           <a:p>
             <a:fld id="{6496A089-2EB9-4997-9FC9-6FB67FFAEFDF}" type="datetimeFigureOut">
               <a:rPr lang="ru-RU" smtClean="0"/>
-              <a:t>01.12.2021</a:t>
+              <a:t>05.12.2021</a:t>
             </a:fld>
             <a:endParaRPr lang="ru-RU"/>
           </a:p>
@@ -675,7 +681,7 @@
           <a:p>
             <a:fld id="{6496A089-2EB9-4997-9FC9-6FB67FFAEFDF}" type="datetimeFigureOut">
               <a:rPr lang="ru-RU" smtClean="0"/>
-              <a:t>01.12.2021</a:t>
+              <a:t>05.12.2021</a:t>
             </a:fld>
             <a:endParaRPr lang="ru-RU"/>
           </a:p>
@@ -953,7 +959,7 @@
           <a:p>
             <a:fld id="{6496A089-2EB9-4997-9FC9-6FB67FFAEFDF}" type="datetimeFigureOut">
               <a:rPr lang="ru-RU" smtClean="0"/>
-              <a:t>01.12.2021</a:t>
+              <a:t>05.12.2021</a:t>
             </a:fld>
             <a:endParaRPr lang="ru-RU"/>
           </a:p>
@@ -1521,7 +1527,7 @@
           <a:p>
             <a:fld id="{6496A089-2EB9-4997-9FC9-6FB67FFAEFDF}" type="datetimeFigureOut">
               <a:rPr lang="ru-RU" smtClean="0"/>
-              <a:t>01.12.2021</a:t>
+              <a:t>05.12.2021</a:t>
             </a:fld>
             <a:endParaRPr lang="ru-RU"/>
           </a:p>
@@ -1799,7 +1805,7 @@
           <a:p>
             <a:fld id="{6496A089-2EB9-4997-9FC9-6FB67FFAEFDF}" type="datetimeFigureOut">
               <a:rPr lang="ru-RU" smtClean="0"/>
-              <a:t>01.12.2021</a:t>
+              <a:t>05.12.2021</a:t>
             </a:fld>
             <a:endParaRPr lang="ru-RU"/>
           </a:p>
@@ -2361,7 +2367,7 @@
           <a:p>
             <a:fld id="{6496A089-2EB9-4997-9FC9-6FB67FFAEFDF}" type="datetimeFigureOut">
               <a:rPr lang="ru-RU" smtClean="0"/>
-              <a:t>01.12.2021</a:t>
+              <a:t>05.12.2021</a:t>
             </a:fld>
             <a:endParaRPr lang="ru-RU"/>
           </a:p>
@@ -2688,7 +2694,7 @@
           <a:p>
             <a:fld id="{6496A089-2EB9-4997-9FC9-6FB67FFAEFDF}" type="datetimeFigureOut">
               <a:rPr lang="ru-RU" smtClean="0"/>
-              <a:t>01.12.2021</a:t>
+              <a:t>05.12.2021</a:t>
             </a:fld>
             <a:endParaRPr lang="ru-RU"/>
           </a:p>
@@ -2865,7 +2871,7 @@
           <a:p>
             <a:fld id="{6496A089-2EB9-4997-9FC9-6FB67FFAEFDF}" type="datetimeFigureOut">
               <a:rPr lang="ru-RU" smtClean="0"/>
-              <a:t>01.12.2021</a:t>
+              <a:t>05.12.2021</a:t>
             </a:fld>
             <a:endParaRPr lang="ru-RU"/>
           </a:p>
@@ -3103,7 +3109,7 @@
           <a:p>
             <a:fld id="{6496A089-2EB9-4997-9FC9-6FB67FFAEFDF}" type="datetimeFigureOut">
               <a:rPr lang="ru-RU" smtClean="0"/>
-              <a:t>01.12.2021</a:t>
+              <a:t>05.12.2021</a:t>
             </a:fld>
             <a:endParaRPr lang="ru-RU"/>
           </a:p>
@@ -3303,7 +3309,7 @@
           <a:p>
             <a:fld id="{6496A089-2EB9-4997-9FC9-6FB67FFAEFDF}" type="datetimeFigureOut">
               <a:rPr lang="ru-RU" smtClean="0"/>
-              <a:t>01.12.2021</a:t>
+              <a:t>05.12.2021</a:t>
             </a:fld>
             <a:endParaRPr lang="ru-RU"/>
           </a:p>
@@ -3579,7 +3585,7 @@
           <a:p>
             <a:fld id="{6496A089-2EB9-4997-9FC9-6FB67FFAEFDF}" type="datetimeFigureOut">
               <a:rPr lang="ru-RU" smtClean="0"/>
-              <a:t>01.12.2021</a:t>
+              <a:t>05.12.2021</a:t>
             </a:fld>
             <a:endParaRPr lang="ru-RU"/>
           </a:p>
@@ -3845,7 +3851,7 @@
           <a:p>
             <a:fld id="{6496A089-2EB9-4997-9FC9-6FB67FFAEFDF}" type="datetimeFigureOut">
               <a:rPr lang="ru-RU" smtClean="0"/>
-              <a:t>01.12.2021</a:t>
+              <a:t>05.12.2021</a:t>
             </a:fld>
             <a:endParaRPr lang="ru-RU"/>
           </a:p>
@@ -4219,7 +4225,7 @@
           <a:p>
             <a:fld id="{6496A089-2EB9-4997-9FC9-6FB67FFAEFDF}" type="datetimeFigureOut">
               <a:rPr lang="ru-RU" smtClean="0"/>
-              <a:t>01.12.2021</a:t>
+              <a:t>05.12.2021</a:t>
             </a:fld>
             <a:endParaRPr lang="ru-RU"/>
           </a:p>
@@ -4367,7 +4373,7 @@
           <a:p>
             <a:fld id="{6496A089-2EB9-4997-9FC9-6FB67FFAEFDF}" type="datetimeFigureOut">
               <a:rPr lang="ru-RU" smtClean="0"/>
-              <a:t>01.12.2021</a:t>
+              <a:t>05.12.2021</a:t>
             </a:fld>
             <a:endParaRPr lang="ru-RU"/>
           </a:p>
@@ -4492,7 +4498,7 @@
           <a:p>
             <a:fld id="{6496A089-2EB9-4997-9FC9-6FB67FFAEFDF}" type="datetimeFigureOut">
               <a:rPr lang="ru-RU" smtClean="0"/>
-              <a:t>01.12.2021</a:t>
+              <a:t>05.12.2021</a:t>
             </a:fld>
             <a:endParaRPr lang="ru-RU"/>
           </a:p>
@@ -4777,7 +4783,7 @@
           <a:p>
             <a:fld id="{6496A089-2EB9-4997-9FC9-6FB67FFAEFDF}" type="datetimeFigureOut">
               <a:rPr lang="ru-RU" smtClean="0"/>
-              <a:t>01.12.2021</a:t>
+              <a:t>05.12.2021</a:t>
             </a:fld>
             <a:endParaRPr lang="ru-RU"/>
           </a:p>
@@ -5101,7 +5107,7 @@
           <a:p>
             <a:fld id="{6496A089-2EB9-4997-9FC9-6FB67FFAEFDF}" type="datetimeFigureOut">
               <a:rPr lang="ru-RU" smtClean="0"/>
-              <a:t>01.12.2021</a:t>
+              <a:t>05.12.2021</a:t>
             </a:fld>
             <a:endParaRPr lang="ru-RU"/>
           </a:p>
@@ -5315,7 +5321,7 @@
           <a:p>
             <a:fld id="{6496A089-2EB9-4997-9FC9-6FB67FFAEFDF}" type="datetimeFigureOut">
               <a:rPr lang="ru-RU" smtClean="0"/>
-              <a:t>01.12.2021</a:t>
+              <a:t>05.12.2021</a:t>
             </a:fld>
             <a:endParaRPr lang="ru-RU"/>
           </a:p>
@@ -6314,6 +6320,28 @@
             </a:r>
             <a:endParaRPr lang="ru-RU" dirty="0"/>
           </a:p>
+          <a:p>
+            <a:r>
+              <a:rPr lang="ru-RU" dirty="0"/>
+              <a:t>Из стандартных библиотек использовались</a:t>
+            </a:r>
+            <a:r>
+              <a:rPr lang="en-US" dirty="0"/>
+              <a:t>: csv, </a:t>
+            </a:r>
+            <a:r>
+              <a:rPr lang="en-US" dirty="0" err="1"/>
+              <a:t>os</a:t>
+            </a:r>
+            <a:r>
+              <a:rPr lang="en-US" dirty="0"/>
+              <a:t>, sqlite3, sys, typing</a:t>
+            </a:r>
+            <a:r>
+              <a:rPr lang="ru-RU" dirty="0"/>
+              <a:t> и другие.</a:t>
+            </a:r>
+          </a:p>
         </p:txBody>
       </p:sp>
       <p:pic>
@@ -6381,7 +6409,7 @@
           <p:cNvPr id="2" name="Заголовок 1">
             <a:extLst>
               <a:ext uri="{FF2B5EF4-FFF2-40B4-BE49-F238E27FC236}">
-                <a16:creationId xmlns:a16="http://schemas.microsoft.com/office/drawing/2014/main" id="{11C85114-1D98-438A-917B-2FF5B562F57A}"/>
+                <a16:creationId xmlns:a16="http://schemas.microsoft.com/office/drawing/2014/main" id="{AB1D736C-E5CD-4802-A19A-99CACF14CE2C}"/>
               </a:ext>
             </a:extLst>
           </p:cNvPr>
@@ -6392,29 +6420,24 @@
             <p:ph type="title"/>
           </p:nvPr>
         </p:nvSpPr>
-        <p:spPr>
-          <a:xfrm>
-            <a:off x="685801" y="609600"/>
-            <a:ext cx="7747685" cy="1456267"/>
-          </a:xfrm>
-        </p:spPr>
+        <p:spPr/>
         <p:txBody>
           <a:bodyPr/>
           <a:lstStyle/>
           <a:p>
             <a:r>
               <a:rPr lang="ru-RU" dirty="0"/>
-              <a:t>схема БД</a:t>
+              <a:t>Хранение состояния клетки</a:t>
             </a:r>
           </a:p>
         </p:txBody>
       </p:sp>
       <p:pic>
         <p:nvPicPr>
-          <p:cNvPr id="5" name="Объект 4">
+          <p:cNvPr id="9" name="Объект 8">
             <a:extLst>
               <a:ext uri="{FF2B5EF4-FFF2-40B4-BE49-F238E27FC236}">
-                <a16:creationId xmlns:a16="http://schemas.microsoft.com/office/drawing/2014/main" id="{3A462471-8E49-4B6C-AF2A-CE5B199DFF50}"/>
+                <a16:creationId xmlns:a16="http://schemas.microsoft.com/office/drawing/2014/main" id="{FCC72A44-1456-4683-9C48-B338B8368AB8}"/>
               </a:ext>
             </a:extLst>
           </p:cNvPr>
@@ -6426,52 +6449,28 @@
           </p:nvPr>
         </p:nvPicPr>
         <p:blipFill>
-          <a:blip r:embed="rId2"/>
+          <a:blip r:embed="rId2">
+            <a:extLst>
+              <a:ext uri="{28A0092B-C50C-407E-A947-70E740481C1C}">
+                <a14:useLocalDpi xmlns:a14="http://schemas.microsoft.com/office/drawing/2010/main" val="0"/>
+              </a:ext>
+            </a:extLst>
+          </a:blip>
           <a:stretch>
             <a:fillRect/>
           </a:stretch>
         </p:blipFill>
         <p:spPr>
           <a:xfrm>
-            <a:off x="766332" y="2172430"/>
-            <a:ext cx="4459247" cy="3649662"/>
-          </a:xfrm>
-        </p:spPr>
-      </p:pic>
-      <p:pic>
-        <p:nvPicPr>
-          <p:cNvPr id="7" name="Рисунок 6">
-            <a:extLst>
-              <a:ext uri="{FF2B5EF4-FFF2-40B4-BE49-F238E27FC236}">
-                <a16:creationId xmlns:a16="http://schemas.microsoft.com/office/drawing/2014/main" id="{F96E03B0-1F48-440C-ADA5-B6FC40057F43}"/>
-              </a:ext>
-            </a:extLst>
-          </p:cNvPr>
-          <p:cNvPicPr>
-            <a:picLocks noChangeAspect="1"/>
-          </p:cNvPicPr>
-          <p:nvPr/>
-        </p:nvPicPr>
-        <p:blipFill>
-          <a:blip r:embed="rId3"/>
-          <a:stretch>
-            <a:fillRect/>
-          </a:stretch>
-        </p:blipFill>
-        <p:spPr>
-          <a:xfrm>
-            <a:off x="8617969" y="737571"/>
-            <a:ext cx="2888230" cy="5296359"/>
-          </a:xfrm>
-          <a:prstGeom prst="rect">
-            <a:avLst/>
-          </a:prstGeom>
+            <a:off x="1764331" y="2141538"/>
+            <a:ext cx="7974363" cy="3649662"/>
+          </a:xfrm>
         </p:spPr>
       </p:pic>
     </p:spTree>
     <p:extLst>
       <p:ext uri="{BB962C8B-B14F-4D97-AF65-F5344CB8AC3E}">
-        <p14:creationId xmlns:p14="http://schemas.microsoft.com/office/powerpoint/2010/main" val="2617168789"/>
+        <p14:creationId xmlns:p14="http://schemas.microsoft.com/office/powerpoint/2010/main" val="62718515"/>
       </p:ext>
     </p:extLst>
   </p:cSld>
@@ -6503,6 +6502,128 @@
           <p:cNvPr id="2" name="Заголовок 1">
             <a:extLst>
               <a:ext uri="{FF2B5EF4-FFF2-40B4-BE49-F238E27FC236}">
+                <a16:creationId xmlns:a16="http://schemas.microsoft.com/office/drawing/2014/main" id="{11C85114-1D98-438A-917B-2FF5B562F57A}"/>
+              </a:ext>
+            </a:extLst>
+          </p:cNvPr>
+          <p:cNvSpPr>
+            <a:spLocks noGrp="1"/>
+          </p:cNvSpPr>
+          <p:nvPr>
+            <p:ph type="title"/>
+          </p:nvPr>
+        </p:nvSpPr>
+        <p:spPr>
+          <a:xfrm>
+            <a:off x="685801" y="609600"/>
+            <a:ext cx="7747685" cy="1456267"/>
+          </a:xfrm>
+        </p:spPr>
+        <p:txBody>
+          <a:bodyPr/>
+          <a:lstStyle/>
+          <a:p>
+            <a:r>
+              <a:rPr lang="ru-RU" dirty="0"/>
+              <a:t>схема БД</a:t>
+            </a:r>
+          </a:p>
+        </p:txBody>
+      </p:sp>
+      <p:pic>
+        <p:nvPicPr>
+          <p:cNvPr id="5" name="Объект 4">
+            <a:extLst>
+              <a:ext uri="{FF2B5EF4-FFF2-40B4-BE49-F238E27FC236}">
+                <a16:creationId xmlns:a16="http://schemas.microsoft.com/office/drawing/2014/main" id="{3A462471-8E49-4B6C-AF2A-CE5B199DFF50}"/>
+              </a:ext>
+            </a:extLst>
+          </p:cNvPr>
+          <p:cNvPicPr>
+            <a:picLocks noGrp="1" noChangeAspect="1"/>
+          </p:cNvPicPr>
+          <p:nvPr>
+            <p:ph idx="1"/>
+          </p:nvPr>
+        </p:nvPicPr>
+        <p:blipFill>
+          <a:blip r:embed="rId2"/>
+          <a:stretch>
+            <a:fillRect/>
+          </a:stretch>
+        </p:blipFill>
+        <p:spPr>
+          <a:xfrm>
+            <a:off x="766332" y="2172430"/>
+            <a:ext cx="4459247" cy="3649662"/>
+          </a:xfrm>
+        </p:spPr>
+      </p:pic>
+      <p:pic>
+        <p:nvPicPr>
+          <p:cNvPr id="7" name="Рисунок 6">
+            <a:extLst>
+              <a:ext uri="{FF2B5EF4-FFF2-40B4-BE49-F238E27FC236}">
+                <a16:creationId xmlns:a16="http://schemas.microsoft.com/office/drawing/2014/main" id="{F96E03B0-1F48-440C-ADA5-B6FC40057F43}"/>
+              </a:ext>
+            </a:extLst>
+          </p:cNvPr>
+          <p:cNvPicPr>
+            <a:picLocks noChangeAspect="1"/>
+          </p:cNvPicPr>
+          <p:nvPr/>
+        </p:nvPicPr>
+        <p:blipFill>
+          <a:blip r:embed="rId3"/>
+          <a:stretch>
+            <a:fillRect/>
+          </a:stretch>
+        </p:blipFill>
+        <p:spPr>
+          <a:xfrm>
+            <a:off x="8617969" y="737571"/>
+            <a:ext cx="2888230" cy="5296359"/>
+          </a:xfrm>
+          <a:prstGeom prst="rect">
+            <a:avLst/>
+          </a:prstGeom>
+        </p:spPr>
+      </p:pic>
+    </p:spTree>
+    <p:extLst>
+      <p:ext uri="{BB962C8B-B14F-4D97-AF65-F5344CB8AC3E}">
+        <p14:creationId xmlns:p14="http://schemas.microsoft.com/office/powerpoint/2010/main" val="2617168789"/>
+      </p:ext>
+    </p:extLst>
+  </p:cSld>
+  <p:clrMapOvr>
+    <a:masterClrMapping/>
+  </p:clrMapOvr>
+</p:sld>
+</file>
+
+<file path=ppt/slides/slide6.xml><?xml version="1.0" encoding="utf-8"?>
+<p:sld xmlns:a="http://schemas.openxmlformats.org/drawingml/2006/main" xmlns:r="http://schemas.openxmlformats.org/officeDocument/2006/relationships" xmlns:p="http://schemas.openxmlformats.org/presentationml/2006/main">
+  <p:cSld>
+    <p:spTree>
+      <p:nvGrpSpPr>
+        <p:cNvPr id="1" name=""/>
+        <p:cNvGrpSpPr/>
+        <p:nvPr/>
+      </p:nvGrpSpPr>
+      <p:grpSpPr>
+        <a:xfrm>
+          <a:off x="0" y="0"/>
+          <a:ext cx="0" cy="0"/>
+          <a:chOff x="0" y="0"/>
+          <a:chExt cx="0" cy="0"/>
+        </a:xfrm>
+      </p:grpSpPr>
+      <p:sp>
+        <p:nvSpPr>
+          <p:cNvPr id="2" name="Заголовок 1">
+            <a:extLst>
+              <a:ext uri="{FF2B5EF4-FFF2-40B4-BE49-F238E27FC236}">
                 <a16:creationId xmlns:a16="http://schemas.microsoft.com/office/drawing/2014/main" id="{BA43C9BE-0F72-46B5-8150-9EE506F8BA07}"/>
               </a:ext>
             </a:extLst>
@@ -6635,7 +6756,7 @@
 </p:sld>
 </file>
 
-<file path=ppt/slides/slide6.xml><?xml version="1.0" encoding="utf-8"?>
+<file path=ppt/slides/slide7.xml><?xml version="1.0" encoding="utf-8"?>
 <p:sld xmlns:a="http://schemas.openxmlformats.org/drawingml/2006/main" xmlns:r="http://schemas.openxmlformats.org/officeDocument/2006/relationships" xmlns:p="http://schemas.openxmlformats.org/presentationml/2006/main">
   <p:cSld>
     <p:spTree>
